--- a/Presentation.pptx
+++ b/Presentation.pptx
@@ -3526,16 +3526,6 @@
             </a:r>
           </a:p>
           <a:p>
-            <a:r>
-              <a:rPr lang="en-US" dirty="0" err="1"/>
-              <a:t>Manque</a:t>
-            </a:r>
-            <a:r>
-              <a:rPr lang="en-US" dirty="0"/>
-              <a:t> de temps</a:t>
-            </a:r>
-          </a:p>
-          <a:p>
             <a:endParaRPr lang="en-US" dirty="0"/>
           </a:p>
         </p:txBody>
